--- a/專案管理-乒乓球HW4 .pptx
+++ b/專案管理-乒乓球HW4 .pptx
@@ -6713,7 +6713,7 @@
         <p:spPr>
           <a:xfrm>
             <a:off x="677779" y="627618"/>
-            <a:ext cx="6888424" cy="707886"/>
+            <a:ext cx="4742004" cy="1323439"/>
           </a:xfrm>
           <a:prstGeom prst="rect">
             <a:avLst/>
@@ -6746,6 +6746,28 @@
               </a:rPr>
               <a:t>-</a:t>
             </a:r>
+            <a:r>
+              <a:rPr lang="zh-TW" altLang="en-US" sz="4000" dirty="0">
+                <a:solidFill>
+                  <a:schemeClr val="accent2">
+                    <a:lumMod val="50000"/>
+                  </a:schemeClr>
+                </a:solidFill>
+              </a:rPr>
+              <a:t>訓練</a:t>
+            </a:r>
+            <a:r>
+              <a:rPr lang="en-US" altLang="zh-TW" sz="4000" dirty="0">
+                <a:solidFill>
+                  <a:schemeClr val="accent2">
+                    <a:lumMod val="50000"/>
+                  </a:schemeClr>
+                </a:solidFill>
+              </a:rPr>
+              <a:t>1</a:t>
+            </a:r>
+          </a:p>
+          <a:p>
             <a:r>
               <a:rPr lang="zh-TW" altLang="en-US" sz="4000" dirty="0">
                 <a:solidFill>
@@ -6810,7 +6832,7 @@
         </p:nvSpPr>
         <p:spPr>
           <a:xfrm>
-            <a:off x="1215189" y="1792705"/>
+            <a:off x="1804736" y="2249906"/>
             <a:ext cx="5919537" cy="954107"/>
           </a:xfrm>
           <a:prstGeom prst="rect">
@@ -6881,7 +6903,7 @@
         </p:nvSpPr>
         <p:spPr>
           <a:xfrm>
-            <a:off x="1255167" y="3204013"/>
+            <a:off x="1804736" y="3444645"/>
             <a:ext cx="5735180" cy="954107"/>
           </a:xfrm>
           <a:prstGeom prst="rect">
@@ -7037,7 +7059,7 @@
         <p:spPr>
           <a:xfrm>
             <a:off x="677779" y="627618"/>
-            <a:ext cx="6888424" cy="707886"/>
+            <a:ext cx="4742004" cy="1323439"/>
           </a:xfrm>
           <a:prstGeom prst="rect">
             <a:avLst/>
@@ -7070,6 +7092,28 @@
               </a:rPr>
               <a:t>-</a:t>
             </a:r>
+            <a:r>
+              <a:rPr lang="zh-TW" altLang="en-US" sz="4000" dirty="0">
+                <a:solidFill>
+                  <a:schemeClr val="accent2">
+                    <a:lumMod val="50000"/>
+                  </a:schemeClr>
+                </a:solidFill>
+              </a:rPr>
+              <a:t>訓練</a:t>
+            </a:r>
+            <a:r>
+              <a:rPr lang="en-US" altLang="zh-TW" sz="4000" dirty="0">
+                <a:solidFill>
+                  <a:schemeClr val="accent2">
+                    <a:lumMod val="50000"/>
+                  </a:schemeClr>
+                </a:solidFill>
+              </a:rPr>
+              <a:t>2</a:t>
+            </a:r>
+          </a:p>
+          <a:p>
             <a:r>
               <a:rPr lang="zh-TW" altLang="en-US" sz="4000" dirty="0">
                 <a:solidFill>
@@ -7134,7 +7178,7 @@
         </p:nvSpPr>
         <p:spPr>
           <a:xfrm>
-            <a:off x="1215189" y="1792705"/>
+            <a:off x="1624263" y="2736502"/>
             <a:ext cx="6351014" cy="1384995"/>
           </a:xfrm>
           <a:prstGeom prst="rect">
@@ -7408,7 +7452,7 @@
               <a:t>+</a:t>
             </a:r>
             <a:r>
-              <a:rPr lang="zh-TW" altLang="en-US" sz="2800">
+              <a:rPr lang="zh-TW" altLang="en-US" sz="2800" dirty="0">
                 <a:solidFill>
                   <a:schemeClr val="accent2">
                     <a:lumMod val="50000"/>
